--- a/接口.pptx
+++ b/接口.pptx
@@ -105,6 +105,11 @@
       </a:defRPr>
     </a:lvl9pPr>
   </p:defaultTextStyle>
+  <p:extLst>
+    <p:ext uri="{EFAFB233-063F-42B5-8137-9DF3F51BA10A}">
+      <p15:sldGuideLst xmlns:p15="http://schemas.microsoft.com/office/powerpoint/2012/main"/>
+    </p:ext>
+  </p:extLst>
 </p:presentation>
 </file>
 
@@ -5818,15 +5823,7 @@
             </a:r>
             <a:r>
               <a:rPr kumimoji="1" lang="zh-CN" altLang="en-US" dirty="0" smtClean="0"/>
-              <a:t>请求</a:t>
-            </a:r>
-            <a:r>
-              <a:rPr kumimoji="1" lang="zh-CN" altLang="en-US" dirty="0" smtClean="0"/>
-              <a:t>接口</a:t>
-            </a:r>
-            <a:r>
-              <a:rPr kumimoji="1" lang="zh-CN" altLang="en-US" dirty="0" smtClean="0"/>
-              <a:t>。</a:t>
+              <a:t>请求接口。</a:t>
             </a:r>
             <a:endParaRPr kumimoji="1" lang="zh-CN" altLang="en-US" dirty="0"/>
           </a:p>
@@ -5855,6 +5852,22 @@
               <a:rPr kumimoji="1" lang="en-US" altLang="zh-CN" dirty="0" smtClean="0"/>
               <a:t>Get</a:t>
             </a:r>
+            <a:r>
+              <a:rPr kumimoji="1" lang="zh-CN" altLang="en-US" dirty="0" smtClean="0"/>
+              <a:t>（</a:t>
+            </a:r>
+            <a:r>
+              <a:rPr kumimoji="1" lang="en-US" altLang="zh-CN" dirty="0" smtClean="0"/>
+              <a:t>/</a:t>
+            </a:r>
+            <a:r>
+              <a:rPr kumimoji="1" lang="en-US" altLang="zh-CN" dirty="0" err="1" smtClean="0"/>
+              <a:t>getzh</a:t>
+            </a:r>
+            <a:r>
+              <a:rPr kumimoji="1" lang="zh-CN" altLang="en-US" dirty="0" smtClean="0"/>
+              <a:t>）</a:t>
+            </a:r>
             <a:endParaRPr kumimoji="1" lang="zh-CN" altLang="en-US" dirty="0" smtClean="0"/>
           </a:p>
           <a:p>
@@ -5888,14 +5901,10 @@
             <a:pPr lvl="2"/>
             <a:r>
               <a:rPr kumimoji="1" lang="en-US" altLang="zh-CN" dirty="0"/>
-              <a:t>content:[[1,’xxxx’],[2,’xxx’],[4,</a:t>
-            </a:r>
-            <a:r>
-              <a:rPr kumimoji="1" lang="en-US" altLang="zh-CN"/>
-              <a:t>’xxx</a:t>
-            </a:r>
-            <a:r>
-              <a:rPr kumimoji="1" lang="en-US" altLang="zh-CN" smtClean="0"/>
+              <a:t>content:[[1,’xxxx’],[2,’xxx’],[4,’xxx</a:t>
+            </a:r>
+            <a:r>
+              <a:rPr kumimoji="1" lang="en-US" altLang="zh-CN" dirty="0" smtClean="0"/>
               <a:t>’],[8,</a:t>
             </a:r>
             <a:r>
@@ -6046,7 +6055,15 @@
             </a:r>
             <a:r>
               <a:rPr kumimoji="1" lang="en-US" altLang="zh-CN" dirty="0" smtClean="0"/>
-              <a:t>Post</a:t>
+              <a:t>Post(/</a:t>
+            </a:r>
+            <a:r>
+              <a:rPr kumimoji="1" lang="en-US" altLang="zh-CN" dirty="0" err="1" smtClean="0"/>
+              <a:t>savezh</a:t>
+            </a:r>
+            <a:r>
+              <a:rPr kumimoji="1" lang="en-US" altLang="zh-CN" dirty="0" smtClean="0"/>
+              <a:t>)</a:t>
             </a:r>
             <a:endParaRPr kumimoji="1" lang="zh-CN" altLang="en-US" dirty="0"/>
           </a:p>
@@ -6087,11 +6104,7 @@
             <a:pPr lvl="1"/>
             <a:r>
               <a:rPr kumimoji="1" lang="en-US" altLang="zh-CN" dirty="0" err="1" smtClean="0"/>
-              <a:t>zh</a:t>
-            </a:r>
-            <a:r>
-              <a:rPr kumimoji="1" lang="en-US" altLang="zh-CN" dirty="0" err="1" smtClean="0"/>
-              <a:t>:xxx</a:t>
+              <a:t>zh:xxx</a:t>
             </a:r>
             <a:r>
               <a:rPr kumimoji="1" lang="en-US" altLang="zh-CN" dirty="0" smtClean="0"/>
@@ -6109,11 +6122,7 @@
             <a:pPr lvl="1"/>
             <a:r>
               <a:rPr kumimoji="1" lang="zh-CN" altLang="en-US" dirty="0" smtClean="0"/>
-              <a:t>成功</a:t>
-            </a:r>
-            <a:r>
-              <a:rPr kumimoji="1" lang="zh-CN" altLang="en-US" dirty="0" smtClean="0"/>
-              <a:t>：</a:t>
+              <a:t>成功：</a:t>
             </a:r>
             <a:endParaRPr kumimoji="1" lang="zh-CN" altLang="en-US" dirty="0"/>
           </a:p>
